--- a/figures/apps.pptx
+++ b/figures/apps.pptx
@@ -197,7 +197,7 @@
           <a:p>
             <a:fld id="{2863C8FA-B8BC-9144-A506-E432740B92D8}" type="datetimeFigureOut">
               <a:rPr lang="en-US" smtClean="0"/>
-              <a:t>3/3/19</a:t>
+              <a:t>3/5/19</a:t>
             </a:fld>
             <a:endParaRPr lang="en-US"/>
           </a:p>
@@ -596,7 +596,7 @@
           <a:p>
             <a:fld id="{5D97E163-DB95-D24D-8C95-263DECB1FC34}" type="datetimeFigureOut">
               <a:rPr lang="en-US" smtClean="0"/>
-              <a:t>3/3/19</a:t>
+              <a:t>3/5/19</a:t>
             </a:fld>
             <a:endParaRPr lang="en-US"/>
           </a:p>
@@ -766,7 +766,7 @@
           <a:p>
             <a:fld id="{5D97E163-DB95-D24D-8C95-263DECB1FC34}" type="datetimeFigureOut">
               <a:rPr lang="en-US" smtClean="0"/>
-              <a:t>3/3/19</a:t>
+              <a:t>3/5/19</a:t>
             </a:fld>
             <a:endParaRPr lang="en-US"/>
           </a:p>
@@ -946,7 +946,7 @@
           <a:p>
             <a:fld id="{5D97E163-DB95-D24D-8C95-263DECB1FC34}" type="datetimeFigureOut">
               <a:rPr lang="en-US" smtClean="0"/>
-              <a:t>3/3/19</a:t>
+              <a:t>3/5/19</a:t>
             </a:fld>
             <a:endParaRPr lang="en-US"/>
           </a:p>
@@ -1116,7 +1116,7 @@
           <a:p>
             <a:fld id="{5D97E163-DB95-D24D-8C95-263DECB1FC34}" type="datetimeFigureOut">
               <a:rPr lang="en-US" smtClean="0"/>
-              <a:t>3/3/19</a:t>
+              <a:t>3/5/19</a:t>
             </a:fld>
             <a:endParaRPr lang="en-US"/>
           </a:p>
@@ -1362,7 +1362,7 @@
           <a:p>
             <a:fld id="{5D97E163-DB95-D24D-8C95-263DECB1FC34}" type="datetimeFigureOut">
               <a:rPr lang="en-US" smtClean="0"/>
-              <a:t>3/3/19</a:t>
+              <a:t>3/5/19</a:t>
             </a:fld>
             <a:endParaRPr lang="en-US"/>
           </a:p>
@@ -1594,7 +1594,7 @@
           <a:p>
             <a:fld id="{5D97E163-DB95-D24D-8C95-263DECB1FC34}" type="datetimeFigureOut">
               <a:rPr lang="en-US" smtClean="0"/>
-              <a:t>3/3/19</a:t>
+              <a:t>3/5/19</a:t>
             </a:fld>
             <a:endParaRPr lang="en-US"/>
           </a:p>
@@ -1961,7 +1961,7 @@
           <a:p>
             <a:fld id="{5D97E163-DB95-D24D-8C95-263DECB1FC34}" type="datetimeFigureOut">
               <a:rPr lang="en-US" smtClean="0"/>
-              <a:t>3/3/19</a:t>
+              <a:t>3/5/19</a:t>
             </a:fld>
             <a:endParaRPr lang="en-US"/>
           </a:p>
@@ -2079,7 +2079,7 @@
           <a:p>
             <a:fld id="{5D97E163-DB95-D24D-8C95-263DECB1FC34}" type="datetimeFigureOut">
               <a:rPr lang="en-US" smtClean="0"/>
-              <a:t>3/3/19</a:t>
+              <a:t>3/5/19</a:t>
             </a:fld>
             <a:endParaRPr lang="en-US"/>
           </a:p>
@@ -2174,7 +2174,7 @@
           <a:p>
             <a:fld id="{5D97E163-DB95-D24D-8C95-263DECB1FC34}" type="datetimeFigureOut">
               <a:rPr lang="en-US" smtClean="0"/>
-              <a:t>3/3/19</a:t>
+              <a:t>3/5/19</a:t>
             </a:fld>
             <a:endParaRPr lang="en-US"/>
           </a:p>
@@ -2451,7 +2451,7 @@
           <a:p>
             <a:fld id="{5D97E163-DB95-D24D-8C95-263DECB1FC34}" type="datetimeFigureOut">
               <a:rPr lang="en-US" smtClean="0"/>
-              <a:t>3/3/19</a:t>
+              <a:t>3/5/19</a:t>
             </a:fld>
             <a:endParaRPr lang="en-US"/>
           </a:p>
@@ -2704,7 +2704,7 @@
           <a:p>
             <a:fld id="{5D97E163-DB95-D24D-8C95-263DECB1FC34}" type="datetimeFigureOut">
               <a:rPr lang="en-US" smtClean="0"/>
-              <a:t>3/3/19</a:t>
+              <a:t>3/5/19</a:t>
             </a:fld>
             <a:endParaRPr lang="en-US"/>
           </a:p>
@@ -2917,7 +2917,7 @@
           <a:p>
             <a:fld id="{5D97E163-DB95-D24D-8C95-263DECB1FC34}" type="datetimeFigureOut">
               <a:rPr lang="en-US" smtClean="0"/>
-              <a:t>3/3/19</a:t>
+              <a:t>3/5/19</a:t>
             </a:fld>
             <a:endParaRPr lang="en-US"/>
           </a:p>
@@ -4016,8 +4016,8 @@
         </p:nvSpPr>
         <p:spPr>
           <a:xfrm>
-            <a:off x="2208151" y="3436407"/>
-            <a:ext cx="1550681" cy="400110"/>
+            <a:off x="2208151" y="3185691"/>
+            <a:ext cx="1545872" cy="1015663"/>
           </a:xfrm>
           <a:prstGeom prst="rect">
             <a:avLst/>
@@ -4030,13 +4030,29 @@
           </a:bodyPr>
           <a:lstStyle/>
           <a:p>
+            <a:pPr algn="r"/>
             <a:r>
               <a:rPr lang="en-US" sz="2000" dirty="0" err="1" smtClean="0"/>
               <a:t>gNMI</a:t>
             </a:r>
+            <a:endParaRPr lang="en-US" sz="2000" dirty="0"/>
+          </a:p>
+          <a:p>
+            <a:pPr algn="r"/>
             <a:r>
               <a:rPr lang="en-US" sz="2000" dirty="0" smtClean="0"/>
-              <a:t> / YANG</a:t>
+              <a:t>(YANG-based</a:t>
+            </a:r>
+          </a:p>
+          <a:p>
+            <a:pPr algn="r"/>
+            <a:r>
+              <a:rPr lang="en-US" sz="2000" dirty="0"/>
+              <a:t>m</a:t>
+            </a:r>
+            <a:r>
+              <a:rPr lang="en-US" sz="2000" dirty="0" smtClean="0"/>
+              <a:t>odels)</a:t>
             </a:r>
             <a:endParaRPr lang="en-US" sz="2000" dirty="0"/>
           </a:p>
@@ -4051,7 +4067,7 @@
         <p:spPr>
           <a:xfrm>
             <a:off x="6881572" y="648248"/>
-            <a:ext cx="2090124" cy="707886"/>
+            <a:ext cx="2090124" cy="400110"/>
           </a:xfrm>
           <a:prstGeom prst="rect">
             <a:avLst/>
@@ -4067,15 +4083,43 @@
             <a:pPr algn="ctr"/>
             <a:r>
               <a:rPr lang="en-US" sz="2000" dirty="0" smtClean="0"/>
-              <a:t>Network Operator</a:t>
-            </a:r>
-          </a:p>
-          <a:p>
-            <a:pPr algn="ctr"/>
+              <a:t>Network </a:t>
+            </a:r>
             <a:r>
               <a:rPr lang="en-US" sz="2000" dirty="0" smtClean="0"/>
+              <a:t>Operator</a:t>
+            </a:r>
+            <a:endParaRPr lang="en-US" sz="2000" dirty="0" smtClean="0"/>
+          </a:p>
+        </p:txBody>
+      </p:sp>
+      <p:sp>
+        <p:nvSpPr>
+          <p:cNvPr id="2" name="TextBox 1"/>
+          <p:cNvSpPr txBox="1"/>
+          <p:nvPr/>
+        </p:nvSpPr>
+        <p:spPr>
+          <a:xfrm>
+            <a:off x="6270499" y="1324562"/>
+            <a:ext cx="1548822" cy="369332"/>
+          </a:xfrm>
+          <a:prstGeom prst="rect">
+            <a:avLst/>
+          </a:prstGeom>
+          <a:noFill/>
+        </p:spPr>
+        <p:txBody>
+          <a:bodyPr wrap="none" rtlCol="0">
+            <a:spAutoFit/>
+          </a:bodyPr>
+          <a:lstStyle/>
+          <a:p>
+            <a:r>
+              <a:rPr lang="en-US" dirty="0" smtClean="0"/>
               <a:t>(Alerts, Intent)</a:t>
             </a:r>
+            <a:endParaRPr lang="en-US" dirty="0"/>
           </a:p>
         </p:txBody>
       </p:sp>
